--- a/projects/S21-projects.pptx
+++ b/projects/S21-projects.pptx
@@ -6044,7 +6044,7 @@
                 <a:latin typeface="Arial"/>
                 <a:cs typeface="Arial"/>
               </a:rPr>
-              <a:t>Vladimir Zhdanov</a:t>
+              <a:t>Vlad Zhdanov</a:t>
             </a:r>
             <a:r>
               <a:rPr lang="en-US" sz="1200"/>
